--- a/spring12/slidesS12/gamblers-ruin-prob-win.pptx
+++ b/spring12/slidesS12/gamblers-ruin-prob-win.pptx
@@ -10526,15 +10526,7 @@
                   <a:srgbClr val="0000FF"/>
                 </a:solidFill>
               </a:rPr>
-              <a:t> </a:t>
-            </a:r>
-            <a:r>
-              <a:rPr lang="en-US" sz="4400" dirty="0" smtClean="0">
-                <a:solidFill>
-                  <a:srgbClr val="0000FF"/>
-                </a:solidFill>
-              </a:rPr>
-              <a:t>   </a:t>
+              <a:t>    </a:t>
             </a:r>
             <a:r>
               <a:rPr lang="en-US" sz="5400" dirty="0" smtClean="0">
@@ -10615,15 +10607,7 @@
                   <a:srgbClr val="0000FF"/>
                 </a:solidFill>
               </a:rPr>
-              <a:t>  </a:t>
-            </a:r>
-            <a:r>
-              <a:rPr lang="en-US" sz="4400" dirty="0" smtClean="0">
-                <a:solidFill>
-                  <a:srgbClr val="0000FF"/>
-                </a:solidFill>
-              </a:rPr>
-              <a:t>  </a:t>
+              <a:t>    </a:t>
             </a:r>
             <a:r>
               <a:rPr lang="en-US" sz="5400" dirty="0" err="1" smtClean="0">
@@ -10677,11 +10661,7 @@
             </a:r>
             <a:r>
               <a:rPr lang="en-US" sz="4800" dirty="0" smtClean="0"/>
-              <a:t>(</a:t>
-            </a:r>
-            <a:r>
-              <a:rPr lang="en-US" sz="4800" dirty="0" smtClean="0"/>
-              <a:t>Gambler </a:t>
+              <a:t>(Gambler </a:t>
             </a:r>
             <a:r>
               <a:rPr lang="en-US" sz="4800" dirty="0"/>
@@ -10800,14 +10780,14 @@
   <p:clrMapOvr>
     <a:masterClrMapping/>
   </p:clrMapOvr>
-  <mc:AlternateContent xmlns:mc="http://schemas.openxmlformats.org/markup-compatibility/2006" xmlns:p14="http://schemas.microsoft.com/office/powerpoint/2010/main">
-    <mc:Choice Requires="p14">
-      <p:transition spd="med" p14:dur="700">
+  <mc:AlternateContent xmlns:mc="http://schemas.openxmlformats.org/markup-compatibility/2006">
+    <mc:Choice xmlns:p14="http://schemas.microsoft.com/office/powerpoint/2010/main" Requires="p14">
+      <p:transition spd="slow" p14:dur="800">
         <p:fade/>
       </p:transition>
     </mc:Choice>
-    <mc:Fallback xmlns="">
-      <p:transition xmlns:p14="http://schemas.microsoft.com/office/powerpoint/2010/main" spd="med">
+    <mc:Fallback>
+      <p:transition xmlns:p14="http://schemas.microsoft.com/office/powerpoint/2010/main" spd="slow">
         <p:fade/>
       </p:transition>
     </mc:Fallback>
@@ -11499,7 +11479,7 @@
           <a:graphicData uri="http://schemas.openxmlformats.org/presentationml/2006/ole">
             <mc:AlternateContent xmlns:mc="http://schemas.openxmlformats.org/markup-compatibility/2006">
               <mc:Choice xmlns:v="urn:schemas-microsoft-com:vml" Requires="v">
-                <p:oleObj spid="_x0000_s58424" name="Equation" r:id="rId4" imgW="1028700" imgH="469900" progId="Equation.DSMT4">
+                <p:oleObj spid="_x0000_s58427" name="Equation" r:id="rId4" imgW="1028700" imgH="469900" progId="Equation.DSMT4">
                   <p:embed/>
                 </p:oleObj>
               </mc:Choice>
@@ -11569,7 +11549,7 @@
           <a:graphicData uri="http://schemas.openxmlformats.org/presentationml/2006/ole">
             <mc:AlternateContent xmlns:mc="http://schemas.openxmlformats.org/markup-compatibility/2006">
               <mc:Choice xmlns:v="urn:schemas-microsoft-com:vml" Requires="v">
-                <p:oleObj spid="_x0000_s58425" name="Equation" r:id="rId6" imgW="812800" imgH="469900" progId="Equation.DSMT4">
+                <p:oleObj spid="_x0000_s58428" name="Equation" r:id="rId6" imgW="812800" imgH="469900" progId="Equation.DSMT4">
                   <p:embed/>
                 </p:oleObj>
               </mc:Choice>
@@ -11637,9 +11617,18 @@
   <p:clrMapOvr>
     <a:masterClrMapping/>
   </p:clrMapOvr>
-  <p:transition xmlns:p14="http://schemas.microsoft.com/office/powerpoint/2010/main">
-    <p:fade/>
-  </p:transition>
+  <mc:AlternateContent xmlns:mc="http://schemas.openxmlformats.org/markup-compatibility/2006">
+    <mc:Choice xmlns:p14="http://schemas.microsoft.com/office/powerpoint/2010/main" Requires="p14">
+      <p:transition spd="slow" p14:dur="800">
+        <p:fade/>
+      </p:transition>
+    </mc:Choice>
+    <mc:Fallback>
+      <p:transition xmlns:p14="http://schemas.microsoft.com/office/powerpoint/2010/main" spd="slow">
+        <p:fade/>
+      </p:transition>
+    </mc:Fallback>
+  </mc:AlternateContent>
   <p:timing>
     <p:tnLst>
       <p:par>
@@ -12192,7 +12181,7 @@
           <a:graphicData uri="http://schemas.openxmlformats.org/presentationml/2006/ole">
             <mc:AlternateContent xmlns:mc="http://schemas.openxmlformats.org/markup-compatibility/2006">
               <mc:Choice xmlns:v="urn:schemas-microsoft-com:vml" Requires="v">
-                <p:oleObj spid="_x0000_s60506" name="Equation" r:id="rId4" imgW="812800" imgH="469900" progId="Equation.DSMT4">
+                <p:oleObj spid="_x0000_s60510" name="Equation" r:id="rId4" imgW="812800" imgH="469900" progId="Equation.DSMT4">
                   <p:embed/>
                 </p:oleObj>
               </mc:Choice>
@@ -12276,7 +12265,7 @@
           <a:graphicData uri="http://schemas.openxmlformats.org/presentationml/2006/ole">
             <mc:AlternateContent xmlns:mc="http://schemas.openxmlformats.org/markup-compatibility/2006">
               <mc:Choice xmlns:v="urn:schemas-microsoft-com:vml" Requires="v">
-                <p:oleObj spid="_x0000_s60507" name="Equation" r:id="rId6" imgW="368300" imgH="469900" progId="Equation.DSMT4">
+                <p:oleObj spid="_x0000_s60511" name="Equation" r:id="rId6" imgW="368300" imgH="469900" progId="Equation.DSMT4">
                   <p:embed/>
                 </p:oleObj>
               </mc:Choice>
@@ -12360,7 +12349,7 @@
           <a:graphicData uri="http://schemas.openxmlformats.org/presentationml/2006/ole">
             <mc:AlternateContent xmlns:mc="http://schemas.openxmlformats.org/markup-compatibility/2006">
               <mc:Choice xmlns:v="urn:schemas-microsoft-com:vml" Requires="v">
-                <p:oleObj spid="_x0000_s60508" name="Equation" r:id="rId8" imgW="571500" imgH="596900" progId="Equation.DSMT4">
+                <p:oleObj spid="_x0000_s60512" name="Equation" r:id="rId8" imgW="571500" imgH="596900" progId="Equation.DSMT4">
                   <p:embed/>
                 </p:oleObj>
               </mc:Choice>
@@ -14058,7 +14047,7 @@
   <p:clrMapOvr>
     <a:masterClrMapping/>
   </p:clrMapOvr>
-  <p:transition xmlns:p14="http://schemas.microsoft.com/office/powerpoint/2010/main">
+  <p:transition xmlns:p14="http://schemas.microsoft.com/office/powerpoint/2010/main" spd="slow">
     <p:fade/>
   </p:transition>
   <p:timing>
@@ -15026,11 +15015,7 @@
             </a:r>
             <a:r>
               <a:rPr lang="en-US" sz="5400" dirty="0" smtClean="0"/>
-              <a:t>hitting </a:t>
-            </a:r>
-            <a:r>
-              <a:rPr lang="en-US" sz="5400" dirty="0" smtClean="0"/>
-              <a:t>target</a:t>
+              <a:t>hitting target</a:t>
             </a:r>
           </a:p>
           <a:p>
@@ -15053,31 +15038,7 @@
                   <a:srgbClr val="660066"/>
                 </a:solidFill>
               </a:rPr>
-              <a:t>[</a:t>
-            </a:r>
-            <a:r>
-              <a:rPr lang="en-US" sz="5400" dirty="0" smtClean="0">
-                <a:solidFill>
-                  <a:srgbClr val="660066"/>
-                </a:solidFill>
-              </a:rPr>
-              <a:t>hit</a:t>
-            </a:r>
-            <a:r>
-              <a:rPr lang="en-US" sz="5400" dirty="0" smtClean="0">
-                <a:solidFill>
-                  <a:srgbClr val="660066"/>
-                </a:solidFill>
-              </a:rPr>
-              <a:t> </a:t>
-            </a:r>
-            <a:r>
-              <a:rPr lang="en-US" sz="5400" dirty="0" smtClean="0">
-                <a:solidFill>
-                  <a:srgbClr val="660066"/>
-                </a:solidFill>
-              </a:rPr>
-              <a:t>target]</a:t>
+              <a:t>[hit target]</a:t>
             </a:r>
             <a:r>
               <a:rPr lang="en-US" sz="5400" dirty="0" smtClean="0"/>
@@ -16090,7 +16051,7 @@
           <a:graphicData uri="http://schemas.openxmlformats.org/presentationml/2006/ole">
             <mc:AlternateContent xmlns:mc="http://schemas.openxmlformats.org/markup-compatibility/2006">
               <mc:Choice xmlns:v="urn:schemas-microsoft-com:vml" Requires="v">
-                <p:oleObj spid="_x0000_s68672" name="Equation" r:id="rId4" imgW="812800" imgH="469900" progId="Equation.DSMT4">
+                <p:oleObj spid="_x0000_s68675" name="Equation" r:id="rId4" imgW="812800" imgH="469900" progId="Equation.DSMT4">
                   <p:embed/>
                 </p:oleObj>
               </mc:Choice>
@@ -16155,7 +16116,7 @@
           <a:graphicData uri="http://schemas.openxmlformats.org/presentationml/2006/ole">
             <mc:AlternateContent xmlns:mc="http://schemas.openxmlformats.org/markup-compatibility/2006">
               <mc:Choice xmlns:v="urn:schemas-microsoft-com:vml" Requires="v">
-                <p:oleObj spid="_x0000_s68673" name="Equation" r:id="rId6" imgW="177800" imgH="469900" progId="Equation.DSMT4">
+                <p:oleObj spid="_x0000_s68676" name="Equation" r:id="rId6" imgW="177800" imgH="469900" progId="Equation.DSMT4">
                   <p:embed/>
                 </p:oleObj>
               </mc:Choice>
@@ -16278,7 +16239,18 @@
   <p:clrMapOvr>
     <a:masterClrMapping/>
   </p:clrMapOvr>
-  <p:transition xmlns:p14="http://schemas.microsoft.com/office/powerpoint/2010/main"/>
+  <mc:AlternateContent xmlns:mc="http://schemas.openxmlformats.org/markup-compatibility/2006">
+    <mc:Choice xmlns:p14="http://schemas.microsoft.com/office/powerpoint/2010/main" Requires="p14">
+      <p:transition spd="slow" p14:dur="800">
+        <p:fade thruBlk="1"/>
+      </p:transition>
+    </mc:Choice>
+    <mc:Fallback>
+      <p:transition xmlns:p14="http://schemas.microsoft.com/office/powerpoint/2010/main" spd="slow">
+        <p:fade thruBlk="1"/>
+      </p:transition>
+    </mc:Fallback>
+  </mc:AlternateContent>
   <p:timing>
     <p:tnLst>
       <p:par>
@@ -17132,6 +17104,18 @@
   <p:clrMapOvr>
     <a:masterClrMapping/>
   </p:clrMapOvr>
+  <mc:AlternateContent xmlns:mc="http://schemas.openxmlformats.org/markup-compatibility/2006">
+    <mc:Choice xmlns:p14="http://schemas.microsoft.com/office/powerpoint/2010/main" Requires="p14">
+      <p:transition spd="med" p14:dur="700">
+        <p:fade/>
+      </p:transition>
+    </mc:Choice>
+    <mc:Fallback>
+      <p:transition xmlns:p14="http://schemas.microsoft.com/office/powerpoint/2010/main" spd="med">
+        <p:fade/>
+      </p:transition>
+    </mc:Fallback>
+  </mc:AlternateContent>
   <p:timing>
     <p:tnLst>
       <p:par>
@@ -17669,6 +17653,18 @@
   <p:clrMapOvr>
     <a:masterClrMapping/>
   </p:clrMapOvr>
+  <mc:AlternateContent xmlns:mc="http://schemas.openxmlformats.org/markup-compatibility/2006">
+    <mc:Choice xmlns:p14="http://schemas.microsoft.com/office/powerpoint/2010/main" Requires="p14">
+      <p:transition spd="med" p14:dur="700">
+        <p:fade/>
+      </p:transition>
+    </mc:Choice>
+    <mc:Fallback>
+      <p:transition xmlns:p14="http://schemas.microsoft.com/office/powerpoint/2010/main" spd="med">
+        <p:fade/>
+      </p:transition>
+    </mc:Fallback>
+  </mc:AlternateContent>
   <p:timing>
     <p:tnLst>
       <p:par>
@@ -19302,23 +19298,7 @@
                   <a:srgbClr val="660066"/>
                 </a:solidFill>
               </a:rPr>
-              <a:t>[</a:t>
-            </a:r>
-            <a:r>
-              <a:rPr lang="en-US" sz="4400" dirty="0" smtClean="0">
-                <a:solidFill>
-                  <a:srgbClr val="660066"/>
-                </a:solidFill>
-              </a:rPr>
-              <a:t>hit</a:t>
-            </a:r>
-            <a:r>
-              <a:rPr lang="en-US" sz="4400" dirty="0" smtClean="0">
-                <a:solidFill>
-                  <a:srgbClr val="660066"/>
-                </a:solidFill>
-              </a:rPr>
-              <a:t> </a:t>
+              <a:t>[hit </a:t>
             </a:r>
             <a:r>
               <a:rPr lang="en-US" sz="4400" dirty="0" smtClean="0">
@@ -19420,23 +19400,7 @@
                   <a:srgbClr val="660066"/>
                 </a:solidFill>
               </a:rPr>
-              <a:t>[</a:t>
-            </a:r>
-            <a:r>
-              <a:rPr lang="en-US" sz="4400" dirty="0" smtClean="0">
-                <a:solidFill>
-                  <a:srgbClr val="660066"/>
-                </a:solidFill>
-              </a:rPr>
-              <a:t>hit</a:t>
-            </a:r>
-            <a:r>
-              <a:rPr lang="en-US" sz="4400" dirty="0" smtClean="0">
-                <a:solidFill>
-                  <a:srgbClr val="660066"/>
-                </a:solidFill>
-              </a:rPr>
-              <a:t> </a:t>
+              <a:t>[hit </a:t>
             </a:r>
             <a:r>
               <a:rPr lang="en-US" sz="4400" dirty="0">
@@ -20266,7 +20230,7 @@
           <a:graphicData uri="http://schemas.openxmlformats.org/presentationml/2006/ole">
             <mc:AlternateContent xmlns:mc="http://schemas.openxmlformats.org/markup-compatibility/2006">
               <mc:Choice xmlns:v="urn:schemas-microsoft-com:vml" Requires="v">
-                <p:oleObj spid="_x0000_s240665" name="Equation" r:id="rId4" imgW="1066800" imgH="469900" progId="Equation.DSMT4">
+                <p:oleObj spid="_x0000_s240667" name="Equation" r:id="rId4" imgW="1066800" imgH="469900" progId="Equation.DSMT4">
                   <p:embed/>
                 </p:oleObj>
               </mc:Choice>
@@ -21105,23 +21069,7 @@
                   <a:srgbClr val="0000FF"/>
                 </a:solidFill>
               </a:rPr>
-              <a:t> </a:t>
-            </a:r>
-            <a:r>
-              <a:rPr lang="en-US" sz="3600" dirty="0" smtClean="0">
-                <a:solidFill>
-                  <a:srgbClr val="0000FF"/>
-                </a:solidFill>
-              </a:rPr>
-              <a:t>$</a:t>
-            </a:r>
-            <a:r>
-              <a:rPr lang="en-US" sz="3600" dirty="0" smtClean="0">
-                <a:solidFill>
-                  <a:srgbClr val="0000FF"/>
-                </a:solidFill>
-              </a:rPr>
-              <a:t>1M + </a:t>
+              <a:t> $1M + </a:t>
             </a:r>
             <a:r>
               <a:rPr lang="en-US" sz="3600" dirty="0" smtClean="0">
@@ -21167,11 +21115,7 @@
             </a:r>
             <a:r>
               <a:rPr lang="en-US" sz="3600" dirty="0" smtClean="0"/>
-              <a:t>?    </a:t>
-            </a:r>
-            <a:r>
-              <a:rPr lang="en-US" sz="3600" dirty="0" smtClean="0"/>
-              <a:t>(</a:t>
+              <a:t>?    (</a:t>
             </a:r>
             <a:r>
               <a:rPr lang="en-US" sz="3600" dirty="0" smtClean="0">
@@ -21955,11 +21899,7 @@
             </a:r>
             <a:r>
               <a:rPr lang="en-US" sz="4800" dirty="0" smtClean="0"/>
-              <a:t>[hit </a:t>
-            </a:r>
-            <a:r>
-              <a:rPr lang="en-US" sz="4800" dirty="0" smtClean="0"/>
-              <a:t>target]?</a:t>
+              <a:t>[hit target]?</a:t>
             </a:r>
             <a:endParaRPr lang="en-US" sz="4800" dirty="0"/>
           </a:p>

--- a/spring12/slidesS12/gamblers-ruin-prob-win.pptx
+++ b/spring12/slidesS12/gamblers-ruin-prob-win.pptx
@@ -10780,13 +10780,13 @@
   <p:clrMapOvr>
     <a:masterClrMapping/>
   </p:clrMapOvr>
-  <mc:AlternateContent xmlns:mc="http://schemas.openxmlformats.org/markup-compatibility/2006">
-    <mc:Choice xmlns:p14="http://schemas.microsoft.com/office/powerpoint/2010/main" Requires="p14">
+  <mc:AlternateContent xmlns:mc="http://schemas.openxmlformats.org/markup-compatibility/2006" xmlns:p14="http://schemas.microsoft.com/office/powerpoint/2010/main">
+    <mc:Choice Requires="p14">
       <p:transition spd="slow" p14:dur="800">
         <p:fade/>
       </p:transition>
     </mc:Choice>
-    <mc:Fallback>
+    <mc:Fallback xmlns="">
       <p:transition xmlns:p14="http://schemas.microsoft.com/office/powerpoint/2010/main" spd="slow">
         <p:fade/>
       </p:transition>
@@ -11479,7 +11479,7 @@
           <a:graphicData uri="http://schemas.openxmlformats.org/presentationml/2006/ole">
             <mc:AlternateContent xmlns:mc="http://schemas.openxmlformats.org/markup-compatibility/2006">
               <mc:Choice xmlns:v="urn:schemas-microsoft-com:vml" Requires="v">
-                <p:oleObj spid="_x0000_s58427" name="Equation" r:id="rId4" imgW="1028700" imgH="469900" progId="Equation.DSMT4">
+                <p:oleObj spid="_x0000_s58430" name="Equation" r:id="rId4" imgW="1028700" imgH="469900" progId="Equation.DSMT4">
                   <p:embed/>
                 </p:oleObj>
               </mc:Choice>
@@ -11549,7 +11549,7 @@
           <a:graphicData uri="http://schemas.openxmlformats.org/presentationml/2006/ole">
             <mc:AlternateContent xmlns:mc="http://schemas.openxmlformats.org/markup-compatibility/2006">
               <mc:Choice xmlns:v="urn:schemas-microsoft-com:vml" Requires="v">
-                <p:oleObj spid="_x0000_s58428" name="Equation" r:id="rId6" imgW="812800" imgH="469900" progId="Equation.DSMT4">
+                <p:oleObj spid="_x0000_s58431" name="Equation" r:id="rId6" imgW="812800" imgH="469900" progId="Equation.DSMT4">
                   <p:embed/>
                 </p:oleObj>
               </mc:Choice>
@@ -11617,13 +11617,13 @@
   <p:clrMapOvr>
     <a:masterClrMapping/>
   </p:clrMapOvr>
-  <mc:AlternateContent xmlns:mc="http://schemas.openxmlformats.org/markup-compatibility/2006">
-    <mc:Choice xmlns:p14="http://schemas.microsoft.com/office/powerpoint/2010/main" Requires="p14">
+  <mc:AlternateContent xmlns:mc="http://schemas.openxmlformats.org/markup-compatibility/2006" xmlns:p14="http://schemas.microsoft.com/office/powerpoint/2010/main">
+    <mc:Choice Requires="p14">
       <p:transition spd="slow" p14:dur="800">
         <p:fade/>
       </p:transition>
     </mc:Choice>
-    <mc:Fallback>
+    <mc:Fallback xmlns="">
       <p:transition xmlns:p14="http://schemas.microsoft.com/office/powerpoint/2010/main" spd="slow">
         <p:fade/>
       </p:transition>
@@ -12181,7 +12181,7 @@
           <a:graphicData uri="http://schemas.openxmlformats.org/presentationml/2006/ole">
             <mc:AlternateContent xmlns:mc="http://schemas.openxmlformats.org/markup-compatibility/2006">
               <mc:Choice xmlns:v="urn:schemas-microsoft-com:vml" Requires="v">
-                <p:oleObj spid="_x0000_s60510" name="Equation" r:id="rId4" imgW="812800" imgH="469900" progId="Equation.DSMT4">
+                <p:oleObj spid="_x0000_s60514" name="Equation" r:id="rId4" imgW="812800" imgH="469900" progId="Equation.DSMT4">
                   <p:embed/>
                 </p:oleObj>
               </mc:Choice>
@@ -12265,7 +12265,7 @@
           <a:graphicData uri="http://schemas.openxmlformats.org/presentationml/2006/ole">
             <mc:AlternateContent xmlns:mc="http://schemas.openxmlformats.org/markup-compatibility/2006">
               <mc:Choice xmlns:v="urn:schemas-microsoft-com:vml" Requires="v">
-                <p:oleObj spid="_x0000_s60511" name="Equation" r:id="rId6" imgW="368300" imgH="469900" progId="Equation.DSMT4">
+                <p:oleObj spid="_x0000_s60515" name="Equation" r:id="rId6" imgW="368300" imgH="469900" progId="Equation.DSMT4">
                   <p:embed/>
                 </p:oleObj>
               </mc:Choice>
@@ -12349,7 +12349,7 @@
           <a:graphicData uri="http://schemas.openxmlformats.org/presentationml/2006/ole">
             <mc:AlternateContent xmlns:mc="http://schemas.openxmlformats.org/markup-compatibility/2006">
               <mc:Choice xmlns:v="urn:schemas-microsoft-com:vml" Requires="v">
-                <p:oleObj spid="_x0000_s60512" name="Equation" r:id="rId8" imgW="571500" imgH="596900" progId="Equation.DSMT4">
+                <p:oleObj spid="_x0000_s60516" name="Equation" r:id="rId8" imgW="571500" imgH="596900" progId="Equation.DSMT4">
                   <p:embed/>
                 </p:oleObj>
               </mc:Choice>
@@ -16051,7 +16051,7 @@
           <a:graphicData uri="http://schemas.openxmlformats.org/presentationml/2006/ole">
             <mc:AlternateContent xmlns:mc="http://schemas.openxmlformats.org/markup-compatibility/2006">
               <mc:Choice xmlns:v="urn:schemas-microsoft-com:vml" Requires="v">
-                <p:oleObj spid="_x0000_s68675" name="Equation" r:id="rId4" imgW="812800" imgH="469900" progId="Equation.DSMT4">
+                <p:oleObj spid="_x0000_s68678" name="Equation" r:id="rId4" imgW="812800" imgH="469900" progId="Equation.DSMT4">
                   <p:embed/>
                 </p:oleObj>
               </mc:Choice>
@@ -16116,7 +16116,7 @@
           <a:graphicData uri="http://schemas.openxmlformats.org/presentationml/2006/ole">
             <mc:AlternateContent xmlns:mc="http://schemas.openxmlformats.org/markup-compatibility/2006">
               <mc:Choice xmlns:v="urn:schemas-microsoft-com:vml" Requires="v">
-                <p:oleObj spid="_x0000_s68676" name="Equation" r:id="rId6" imgW="177800" imgH="469900" progId="Equation.DSMT4">
+                <p:oleObj spid="_x0000_s68679" name="Equation" r:id="rId6" imgW="177800" imgH="469900" progId="Equation.DSMT4">
                   <p:embed/>
                 </p:oleObj>
               </mc:Choice>
@@ -16239,13 +16239,13 @@
   <p:clrMapOvr>
     <a:masterClrMapping/>
   </p:clrMapOvr>
-  <mc:AlternateContent xmlns:mc="http://schemas.openxmlformats.org/markup-compatibility/2006">
-    <mc:Choice xmlns:p14="http://schemas.microsoft.com/office/powerpoint/2010/main" Requires="p14">
+  <mc:AlternateContent xmlns:mc="http://schemas.openxmlformats.org/markup-compatibility/2006" xmlns:p14="http://schemas.microsoft.com/office/powerpoint/2010/main">
+    <mc:Choice Requires="p14">
       <p:transition spd="slow" p14:dur="800">
         <p:fade thruBlk="1"/>
       </p:transition>
     </mc:Choice>
-    <mc:Fallback>
+    <mc:Fallback xmlns="">
       <p:transition xmlns:p14="http://schemas.microsoft.com/office/powerpoint/2010/main" spd="slow">
         <p:fade thruBlk="1"/>
       </p:transition>
@@ -17104,13 +17104,13 @@
   <p:clrMapOvr>
     <a:masterClrMapping/>
   </p:clrMapOvr>
-  <mc:AlternateContent xmlns:mc="http://schemas.openxmlformats.org/markup-compatibility/2006">
-    <mc:Choice xmlns:p14="http://schemas.microsoft.com/office/powerpoint/2010/main" Requires="p14">
+  <mc:AlternateContent xmlns:mc="http://schemas.openxmlformats.org/markup-compatibility/2006" xmlns:p14="http://schemas.microsoft.com/office/powerpoint/2010/main">
+    <mc:Choice Requires="p14">
       <p:transition spd="med" p14:dur="700">
         <p:fade/>
       </p:transition>
     </mc:Choice>
-    <mc:Fallback>
+    <mc:Fallback xmlns="">
       <p:transition xmlns:p14="http://schemas.microsoft.com/office/powerpoint/2010/main" spd="med">
         <p:fade/>
       </p:transition>
@@ -17653,13 +17653,13 @@
   <p:clrMapOvr>
     <a:masterClrMapping/>
   </p:clrMapOvr>
-  <mc:AlternateContent xmlns:mc="http://schemas.openxmlformats.org/markup-compatibility/2006">
-    <mc:Choice xmlns:p14="http://schemas.microsoft.com/office/powerpoint/2010/main" Requires="p14">
+  <mc:AlternateContent xmlns:mc="http://schemas.openxmlformats.org/markup-compatibility/2006" xmlns:p14="http://schemas.microsoft.com/office/powerpoint/2010/main">
+    <mc:Choice Requires="p14">
       <p:transition spd="med" p14:dur="700">
         <p:fade/>
       </p:transition>
     </mc:Choice>
-    <mc:Fallback>
+    <mc:Fallback xmlns="">
       <p:transition xmlns:p14="http://schemas.microsoft.com/office/powerpoint/2010/main" spd="med">
         <p:fade/>
       </p:transition>
@@ -20230,7 +20230,7 @@
           <a:graphicData uri="http://schemas.openxmlformats.org/presentationml/2006/ole">
             <mc:AlternateContent xmlns:mc="http://schemas.openxmlformats.org/markup-compatibility/2006">
               <mc:Choice xmlns:v="urn:schemas-microsoft-com:vml" Requires="v">
-                <p:oleObj spid="_x0000_s240667" name="Equation" r:id="rId4" imgW="1066800" imgH="469900" progId="Equation.DSMT4">
+                <p:oleObj spid="_x0000_s240669" name="Equation" r:id="rId4" imgW="1066800" imgH="469900" progId="Equation.DSMT4">
                   <p:embed/>
                 </p:oleObj>
               </mc:Choice>
